--- a/notes/csc493-ln003.pptx
+++ b/notes/csc493-ln003.pptx
@@ -5,10 +5,10 @@
     <p:sldMasterId id="2147483651" r:id="rId1"/>
   </p:sldMasterIdLst>
   <p:notesMasterIdLst>
-    <p:notesMasterId r:id="rId9"/>
+    <p:notesMasterId r:id="rId10"/>
   </p:notesMasterIdLst>
   <p:handoutMasterIdLst>
-    <p:handoutMasterId r:id="rId10"/>
+    <p:handoutMasterId r:id="rId11"/>
   </p:handoutMasterIdLst>
   <p:sldIdLst>
     <p:sldId id="267" r:id="rId2"/>
@@ -16,8 +16,9 @@
     <p:sldId id="269" r:id="rId4"/>
     <p:sldId id="270" r:id="rId5"/>
     <p:sldId id="271" r:id="rId6"/>
-    <p:sldId id="272" r:id="rId7"/>
-    <p:sldId id="279" r:id="rId8"/>
+    <p:sldId id="280" r:id="rId7"/>
+    <p:sldId id="272" r:id="rId8"/>
+    <p:sldId id="279" r:id="rId9"/>
   </p:sldIdLst>
   <p:sldSz cx="9144000" cy="6858000" type="screen4x3"/>
   <p:notesSz cx="6856413" cy="9083675"/>
@@ -1443,6 +1444,261 @@
         </p:txBody>
       </p:sp>
     </p:spTree>
+  </p:cSld>
+  <p:clrMapOvr>
+    <a:masterClrMapping/>
+  </p:clrMapOvr>
+</p:notes>
+</file>
+
+<file path=ppt/notesSlides/notesSlide2.xml><?xml version="1.0" encoding="utf-8"?>
+<p:notes xmlns:a="http://schemas.openxmlformats.org/drawingml/2006/main" xmlns:r="http://schemas.openxmlformats.org/officeDocument/2006/relationships" xmlns:p="http://schemas.openxmlformats.org/presentationml/2006/main">
+  <p:cSld>
+    <p:spTree>
+      <p:nvGrpSpPr>
+        <p:cNvPr id="1" name=""/>
+        <p:cNvGrpSpPr/>
+        <p:nvPr/>
+      </p:nvGrpSpPr>
+      <p:grpSpPr>
+        <a:xfrm>
+          <a:off x="0" y="0"/>
+          <a:ext cx="0" cy="0"/>
+          <a:chOff x="0" y="0"/>
+          <a:chExt cx="0" cy="0"/>
+        </a:xfrm>
+      </p:grpSpPr>
+      <p:sp>
+        <p:nvSpPr>
+          <p:cNvPr id="7" name="Rectangle 1031">
+            <a:extLst>
+              <a:ext uri="{FF2B5EF4-FFF2-40B4-BE49-F238E27FC236}">
+                <a16:creationId xmlns:a16="http://schemas.microsoft.com/office/drawing/2014/main" id="{F31F6468-3894-F84A-B235-CEEEA79003EA}"/>
+              </a:ext>
+            </a:extLst>
+          </p:cNvPr>
+          <p:cNvSpPr>
+            <a:spLocks noGrp="1" noChangeArrowheads="1"/>
+          </p:cNvSpPr>
+          <p:nvPr>
+            <p:ph type="sldNum" sz="quarter" idx="5"/>
+          </p:nvPr>
+        </p:nvSpPr>
+        <p:spPr>
+          <a:extLst>
+            <a:ext uri="{909E8E84-426E-40dd-AFC4-6F175D3DCCD1}">
+              <a14:hiddenFill xmlns="" xmlns:a14="http://schemas.microsoft.com/office/drawing/2010/main">
+                <a:solidFill>
+                  <a:schemeClr val="accent1"/>
+                </a:solidFill>
+              </a14:hiddenFill>
+            </a:ext>
+            <a:ext uri="{91240B29-F687-4f45-9708-019B960494DF}">
+              <a14:hiddenLine xmlns="" xmlns:a14="http://schemas.microsoft.com/office/drawing/2010/main" w="9525">
+                <a:solidFill>
+                  <a:schemeClr val="tx1"/>
+                </a:solidFill>
+                <a:miter lim="800000"/>
+                <a:headEnd/>
+                <a:tailEnd/>
+              </a14:hiddenLine>
+            </a:ext>
+            <a:ext uri="{AF507438-7753-43e0-B8FC-AC1667EBCBE1}">
+              <a14:hiddenEffects xmlns="" xmlns:a14="http://schemas.microsoft.com/office/drawing/2010/main">
+                <a:effectLst>
+                  <a:outerShdw blurRad="63500" dist="38099" dir="2700000" algn="ctr" rotWithShape="0">
+                    <a:schemeClr val="bg2">
+                      <a:alpha val="74998"/>
+                    </a:schemeClr>
+                  </a:outerShdw>
+                </a:effectLst>
+              </a14:hiddenEffects>
+            </a:ext>
+            <a:ext uri="{FAA26D3D-D897-4be2-8F04-BA451C77F1D7}">
+              <ma14:placeholderFlag xmlns="" xmlns:ma14="http://schemas.microsoft.com/office/mac/drawingml/2011/main" val="1"/>
+            </a:ext>
+          </a:extLst>
+        </p:spPr>
+        <p:txBody>
+          <a:bodyPr/>
+          <a:lstStyle>
+            <a:lvl1pPr>
+              <a:defRPr sz="2000">
+                <a:solidFill>
+                  <a:schemeClr val="tx1"/>
+                </a:solidFill>
+                <a:latin typeface="Arial" panose="020B0604020202020204" pitchFamily="34" charset="0"/>
+                <a:ea typeface="ＭＳ Ｐゴシック" panose="020B0600070205080204" pitchFamily="34" charset="-128"/>
+              </a:defRPr>
+            </a:lvl1pPr>
+            <a:lvl2pPr marL="742950" indent="-285750">
+              <a:defRPr sz="2000">
+                <a:solidFill>
+                  <a:schemeClr val="tx1"/>
+                </a:solidFill>
+                <a:latin typeface="Arial" panose="020B0604020202020204" pitchFamily="34" charset="0"/>
+                <a:ea typeface="ＭＳ Ｐゴシック" panose="020B0600070205080204" pitchFamily="34" charset="-128"/>
+              </a:defRPr>
+            </a:lvl2pPr>
+            <a:lvl3pPr marL="1143000" indent="-228600">
+              <a:defRPr sz="2000">
+                <a:solidFill>
+                  <a:schemeClr val="tx1"/>
+                </a:solidFill>
+                <a:latin typeface="Arial" panose="020B0604020202020204" pitchFamily="34" charset="0"/>
+                <a:ea typeface="ＭＳ Ｐゴシック" panose="020B0600070205080204" pitchFamily="34" charset="-128"/>
+              </a:defRPr>
+            </a:lvl3pPr>
+            <a:lvl4pPr marL="1600200" indent="-228600">
+              <a:defRPr sz="2000">
+                <a:solidFill>
+                  <a:schemeClr val="tx1"/>
+                </a:solidFill>
+                <a:latin typeface="Arial" panose="020B0604020202020204" pitchFamily="34" charset="0"/>
+                <a:ea typeface="ＭＳ Ｐゴシック" panose="020B0600070205080204" pitchFamily="34" charset="-128"/>
+              </a:defRPr>
+            </a:lvl4pPr>
+            <a:lvl5pPr marL="2057400" indent="-228600">
+              <a:defRPr sz="2000">
+                <a:solidFill>
+                  <a:schemeClr val="tx1"/>
+                </a:solidFill>
+                <a:latin typeface="Arial" panose="020B0604020202020204" pitchFamily="34" charset="0"/>
+                <a:ea typeface="ＭＳ Ｐゴシック" panose="020B0600070205080204" pitchFamily="34" charset="-128"/>
+              </a:defRPr>
+            </a:lvl5pPr>
+            <a:lvl6pPr marL="2514600" indent="-228600" eaLnBrk="0" fontAlgn="base" hangingPunct="0">
+              <a:spcBef>
+                <a:spcPct val="0"/>
+              </a:spcBef>
+              <a:spcAft>
+                <a:spcPct val="0"/>
+              </a:spcAft>
+              <a:defRPr sz="2000">
+                <a:solidFill>
+                  <a:schemeClr val="tx1"/>
+                </a:solidFill>
+                <a:latin typeface="Arial" panose="020B0604020202020204" pitchFamily="34" charset="0"/>
+                <a:ea typeface="ＭＳ Ｐゴシック" panose="020B0600070205080204" pitchFamily="34" charset="-128"/>
+              </a:defRPr>
+            </a:lvl6pPr>
+            <a:lvl7pPr marL="2971800" indent="-228600" eaLnBrk="0" fontAlgn="base" hangingPunct="0">
+              <a:spcBef>
+                <a:spcPct val="0"/>
+              </a:spcBef>
+              <a:spcAft>
+                <a:spcPct val="0"/>
+              </a:spcAft>
+              <a:defRPr sz="2000">
+                <a:solidFill>
+                  <a:schemeClr val="tx1"/>
+                </a:solidFill>
+                <a:latin typeface="Arial" panose="020B0604020202020204" pitchFamily="34" charset="0"/>
+                <a:ea typeface="ＭＳ Ｐゴシック" panose="020B0600070205080204" pitchFamily="34" charset="-128"/>
+              </a:defRPr>
+            </a:lvl7pPr>
+            <a:lvl8pPr marL="3429000" indent="-228600" eaLnBrk="0" fontAlgn="base" hangingPunct="0">
+              <a:spcBef>
+                <a:spcPct val="0"/>
+              </a:spcBef>
+              <a:spcAft>
+                <a:spcPct val="0"/>
+              </a:spcAft>
+              <a:defRPr sz="2000">
+                <a:solidFill>
+                  <a:schemeClr val="tx1"/>
+                </a:solidFill>
+                <a:latin typeface="Arial" panose="020B0604020202020204" pitchFamily="34" charset="0"/>
+                <a:ea typeface="ＭＳ Ｐゴシック" panose="020B0600070205080204" pitchFamily="34" charset="-128"/>
+              </a:defRPr>
+            </a:lvl8pPr>
+            <a:lvl9pPr marL="3886200" indent="-228600" eaLnBrk="0" fontAlgn="base" hangingPunct="0">
+              <a:spcBef>
+                <a:spcPct val="0"/>
+              </a:spcBef>
+              <a:spcAft>
+                <a:spcPct val="0"/>
+              </a:spcAft>
+              <a:defRPr sz="2000">
+                <a:solidFill>
+                  <a:schemeClr val="tx1"/>
+                </a:solidFill>
+                <a:latin typeface="Arial" panose="020B0604020202020204" pitchFamily="34" charset="0"/>
+                <a:ea typeface="ＭＳ Ｐゴシック" panose="020B0600070205080204" pitchFamily="34" charset="-128"/>
+              </a:defRPr>
+            </a:lvl9pPr>
+          </a:lstStyle>
+          <a:p>
+            <a:fld id="{58B45111-D3F4-D84A-9E89-DE518A006B13}" type="slidenum">
+              <a:rPr lang="en-US" altLang="en-US" sz="1200"/>
+              <a:pPr/>
+              <a:t>6</a:t>
+            </a:fld>
+            <a:endParaRPr lang="en-US" altLang="en-US" sz="1200"/>
+          </a:p>
+        </p:txBody>
+      </p:sp>
+      <p:sp>
+        <p:nvSpPr>
+          <p:cNvPr id="43010" name="Rectangle 2">
+            <a:extLst>
+              <a:ext uri="{FF2B5EF4-FFF2-40B4-BE49-F238E27FC236}">
+                <a16:creationId xmlns:a16="http://schemas.microsoft.com/office/drawing/2014/main" id="{C8D120E1-F5CF-E04A-8D8D-7EF4F9E7367D}"/>
+              </a:ext>
+            </a:extLst>
+          </p:cNvPr>
+          <p:cNvSpPr>
+            <a:spLocks noGrp="1" noRot="1" noChangeAspect="1" noChangeArrowheads="1" noTextEdit="1"/>
+          </p:cNvSpPr>
+          <p:nvPr>
+            <p:ph type="sldImg"/>
+          </p:nvPr>
+        </p:nvSpPr>
+        <p:spPr>
+          <a:ln/>
+          <a:extLst>
+            <a:ext uri="{FAA26D3D-D897-4be2-8F04-BA451C77F1D7}">
+              <ma14:placeholderFlag xmlns="" xmlns:ma14="http://schemas.microsoft.com/office/mac/drawingml/2011/main" val="1"/>
+            </a:ext>
+          </a:extLst>
+        </p:spPr>
+      </p:sp>
+      <p:sp>
+        <p:nvSpPr>
+          <p:cNvPr id="43011" name="Rectangle 3">
+            <a:extLst>
+              <a:ext uri="{FF2B5EF4-FFF2-40B4-BE49-F238E27FC236}">
+                <a16:creationId xmlns:a16="http://schemas.microsoft.com/office/drawing/2014/main" id="{D670CC1F-73BB-A849-9E28-056A962E479E}"/>
+              </a:ext>
+            </a:extLst>
+          </p:cNvPr>
+          <p:cNvSpPr>
+            <a:spLocks noGrp="1" noChangeArrowheads="1"/>
+          </p:cNvSpPr>
+          <p:nvPr>
+            <p:ph type="body" idx="1"/>
+          </p:nvPr>
+        </p:nvSpPr>
+        <p:spPr/>
+        <p:txBody>
+          <a:bodyPr/>
+          <a:lstStyle/>
+          <a:p>
+            <a:pPr eaLnBrk="1" hangingPunct="1">
+              <a:defRPr/>
+            </a:pPr>
+            <a:endParaRPr lang="en-US">
+              <a:cs typeface="+mn-cs"/>
+            </a:endParaRPr>
+          </a:p>
+        </p:txBody>
+      </p:sp>
+    </p:spTree>
+    <p:extLst>
+      <p:ext uri="{BB962C8B-B14F-4D97-AF65-F5344CB8AC3E}">
+        <p14:creationId xmlns:p14="http://schemas.microsoft.com/office/powerpoint/2010/main" val="2926381886"/>
+      </p:ext>
+    </p:extLst>
   </p:cSld>
   <p:clrMapOvr>
     <a:masterClrMapping/>
@@ -5546,7 +5802,7 @@
               <a:rPr lang="en-US" dirty="0">
                 <a:cs typeface="+mn-cs"/>
               </a:rPr>
-              <a:t>Asteroid also support custom data structures via the ‘structure’ keyword</a:t>
+              <a:t>Let’s look at these a bit closer</a:t>
             </a:r>
           </a:p>
         </p:txBody>
@@ -6660,6 +6916,187 @@
 </file>
 
 <file path=ppt/slides/slide6.xml><?xml version="1.0" encoding="utf-8"?>
+<p:sld xmlns:a="http://schemas.openxmlformats.org/drawingml/2006/main" xmlns:r="http://schemas.openxmlformats.org/officeDocument/2006/relationships" xmlns:p="http://schemas.openxmlformats.org/presentationml/2006/main">
+  <p:cSld>
+    <p:spTree>
+      <p:nvGrpSpPr>
+        <p:cNvPr id="1" name=""/>
+        <p:cNvGrpSpPr/>
+        <p:nvPr/>
+      </p:nvGrpSpPr>
+      <p:grpSpPr>
+        <a:xfrm>
+          <a:off x="0" y="0"/>
+          <a:ext cx="0" cy="0"/>
+          <a:chOff x="0" y="0"/>
+          <a:chExt cx="0" cy="0"/>
+        </a:xfrm>
+      </p:grpSpPr>
+      <p:sp>
+        <p:nvSpPr>
+          <p:cNvPr id="41986" name="Rectangle 2">
+            <a:extLst>
+              <a:ext uri="{FF2B5EF4-FFF2-40B4-BE49-F238E27FC236}">
+                <a16:creationId xmlns:a16="http://schemas.microsoft.com/office/drawing/2014/main" id="{317E68C2-6C37-6E4B-9DFF-D29ED72B64CC}"/>
+              </a:ext>
+            </a:extLst>
+          </p:cNvPr>
+          <p:cNvSpPr>
+            <a:spLocks noGrp="1" noChangeArrowheads="1"/>
+          </p:cNvSpPr>
+          <p:nvPr>
+            <p:ph type="title"/>
+          </p:nvPr>
+        </p:nvSpPr>
+        <p:spPr>
+          <a:extLst>
+            <a:ext uri="{909E8E84-426E-40dd-AFC4-6F175D3DCCD1}">
+              <a14:hiddenFill xmlns="" xmlns:a14="http://schemas.microsoft.com/office/drawing/2010/main">
+                <a:solidFill>
+                  <a:schemeClr val="accent1"/>
+                </a:solidFill>
+              </a14:hiddenFill>
+            </a:ext>
+            <a:ext uri="{91240B29-F687-4f45-9708-019B960494DF}">
+              <a14:hiddenLine xmlns="" xmlns:a14="http://schemas.microsoft.com/office/drawing/2010/main" w="9525">
+                <a:solidFill>
+                  <a:schemeClr val="tx1"/>
+                </a:solidFill>
+                <a:miter lim="800000"/>
+                <a:headEnd/>
+                <a:tailEnd/>
+              </a14:hiddenLine>
+            </a:ext>
+            <a:ext uri="{AF507438-7753-43e0-B8FC-AC1667EBCBE1}">
+              <a14:hiddenEffects xmlns="" xmlns:a14="http://schemas.microsoft.com/office/drawing/2010/main">
+                <a:effectLst>
+                  <a:outerShdw blurRad="63500" dist="38099" dir="2700000" algn="ctr" rotWithShape="0">
+                    <a:schemeClr val="bg2">
+                      <a:alpha val="74998"/>
+                    </a:schemeClr>
+                  </a:outerShdw>
+                </a:effectLst>
+              </a14:hiddenEffects>
+            </a:ext>
+            <a:ext uri="{FAA26D3D-D897-4be2-8F04-BA451C77F1D7}">
+              <ma14:placeholderFlag xmlns="" xmlns:ma14="http://schemas.microsoft.com/office/mac/drawingml/2011/main" val="1"/>
+            </a:ext>
+          </a:extLst>
+        </p:spPr>
+        <p:txBody>
+          <a:bodyPr/>
+          <a:lstStyle/>
+          <a:p>
+            <a:pPr eaLnBrk="1" hangingPunct="1">
+              <a:defRPr/>
+            </a:pPr>
+            <a:r>
+              <a:rPr lang="en-US" dirty="0">
+                <a:cs typeface="+mj-cs"/>
+              </a:rPr>
+              <a:t>Data Structures</a:t>
+            </a:r>
+          </a:p>
+        </p:txBody>
+      </p:sp>
+      <p:sp>
+        <p:nvSpPr>
+          <p:cNvPr id="41987" name="Rectangle 3">
+            <a:extLst>
+              <a:ext uri="{FF2B5EF4-FFF2-40B4-BE49-F238E27FC236}">
+                <a16:creationId xmlns:a16="http://schemas.microsoft.com/office/drawing/2014/main" id="{5A88471D-204D-494D-A9B6-068D204E0DDB}"/>
+              </a:ext>
+            </a:extLst>
+          </p:cNvPr>
+          <p:cNvSpPr>
+            <a:spLocks noGrp="1" noChangeArrowheads="1"/>
+          </p:cNvSpPr>
+          <p:nvPr>
+            <p:ph idx="1"/>
+          </p:nvPr>
+        </p:nvSpPr>
+        <p:spPr>
+          <a:xfrm>
+            <a:off x="1524000" y="1905000"/>
+            <a:ext cx="7010400" cy="2362200"/>
+          </a:xfrm>
+          <a:extLst>
+            <a:ext uri="{909E8E84-426E-40dd-AFC4-6F175D3DCCD1}">
+              <a14:hiddenFill xmlns="" xmlns:a14="http://schemas.microsoft.com/office/drawing/2010/main">
+                <a:solidFill>
+                  <a:schemeClr val="accent1"/>
+                </a:solidFill>
+              </a14:hiddenFill>
+            </a:ext>
+            <a:ext uri="{91240B29-F687-4f45-9708-019B960494DF}">
+              <a14:hiddenLine xmlns="" xmlns:a14="http://schemas.microsoft.com/office/drawing/2010/main" w="9525">
+                <a:solidFill>
+                  <a:schemeClr val="tx1"/>
+                </a:solidFill>
+                <a:miter lim="800000"/>
+                <a:headEnd/>
+                <a:tailEnd/>
+              </a14:hiddenLine>
+            </a:ext>
+            <a:ext uri="{AF507438-7753-43e0-B8FC-AC1667EBCBE1}">
+              <a14:hiddenEffects xmlns="" xmlns:a14="http://schemas.microsoft.com/office/drawing/2010/main">
+                <a:effectLst>
+                  <a:outerShdw blurRad="63500" dist="38099" dir="2700000" algn="ctr" rotWithShape="0">
+                    <a:schemeClr val="bg2">
+                      <a:alpha val="74998"/>
+                    </a:schemeClr>
+                  </a:outerShdw>
+                </a:effectLst>
+              </a14:hiddenEffects>
+            </a:ext>
+            <a:ext uri="{FAA26D3D-D897-4be2-8F04-BA451C77F1D7}">
+              <ma14:placeholderFlag xmlns="" xmlns:ma14="http://schemas.microsoft.com/office/mac/drawingml/2011/main" val="1"/>
+            </a:ext>
+          </a:extLst>
+        </p:spPr>
+        <p:txBody>
+          <a:bodyPr>
+            <a:normAutofit lnSpcReduction="10000"/>
+          </a:bodyPr>
+          <a:lstStyle/>
+          <a:p>
+            <a:pPr eaLnBrk="1" hangingPunct="1">
+              <a:defRPr/>
+            </a:pPr>
+            <a:r>
+              <a:rPr lang="en-US" dirty="0">
+                <a:cs typeface="+mn-cs"/>
+              </a:rPr>
+              <a:t>Asteroid also support custom data structures via the ‘structure’ keyword</a:t>
+            </a:r>
+          </a:p>
+          <a:p>
+            <a:pPr eaLnBrk="1" hangingPunct="1">
+              <a:defRPr/>
+            </a:pPr>
+            <a:r>
+              <a:rPr lang="en-US" dirty="0">
+                <a:cs typeface="+mn-cs"/>
+              </a:rPr>
+              <a:t>Structures allow us to instantiate objects with a particular internal structure</a:t>
+            </a:r>
+          </a:p>
+        </p:txBody>
+      </p:sp>
+    </p:spTree>
+    <p:extLst>
+      <p:ext uri="{BB962C8B-B14F-4D97-AF65-F5344CB8AC3E}">
+        <p14:creationId xmlns:p14="http://schemas.microsoft.com/office/powerpoint/2010/main" val="137996272"/>
+      </p:ext>
+    </p:extLst>
+  </p:cSld>
+  <p:clrMapOvr>
+    <a:masterClrMapping/>
+  </p:clrMapOvr>
+</p:sld>
+</file>
+
+<file path=ppt/slides/slide7.xml><?xml version="1.0" encoding="utf-8"?>
 <p:sld xmlns:a="http://schemas.openxmlformats.org/drawingml/2006/main" xmlns:r="http://schemas.openxmlformats.org/officeDocument/2006/relationships" xmlns:p="http://schemas.openxmlformats.org/presentationml/2006/main">
   <p:cSld>
     <p:spTree>
@@ -6781,7 +7218,7 @@
               </a:lnSpc>
             </a:pPr>
             <a:r>
-              <a:rPr lang="en-US" sz="2200"/>
+              <a:rPr lang="en-US" sz="2200" dirty="0"/>
               <a:t>Structures in Asteroid are similar to classes in Python and almost identical to structures in Rust.</a:t>
             </a:r>
           </a:p>
@@ -6792,7 +7229,7 @@
               </a:lnSpc>
             </a:pPr>
             <a:r>
-              <a:rPr lang="en-US" sz="2200"/>
+              <a:rPr lang="en-US" sz="2200" dirty="0"/>
               <a:t>A structure introduces a data structure as a new type</a:t>
             </a:r>
           </a:p>
@@ -6803,12 +7240,53 @@
               </a:lnSpc>
             </a:pPr>
             <a:r>
-              <a:rPr lang="en-US" sz="2200" b="0" i="0">
+              <a:rPr lang="en-US" sz="2200" b="0" i="0" dirty="0">
                 <a:effectLst/>
               </a:rPr>
-              <a:t>For each structure Asteroid creates a default constructor</a:t>
-            </a:r>
-            <a:endParaRPr lang="en-US" sz="2200"/>
+              <a:t>For each structure Asteroid creates a </a:t>
+            </a:r>
+            <a:r>
+              <a:rPr lang="en-US" sz="2200" b="1" i="0" dirty="0">
+                <a:effectLst/>
+              </a:rPr>
+              <a:t>default constructor</a:t>
+            </a:r>
+            <a:endParaRPr lang="en-US" sz="2200" b="1" dirty="0"/>
+          </a:p>
+        </p:txBody>
+      </p:sp>
+      <p:sp>
+        <p:nvSpPr>
+          <p:cNvPr id="5" name="TextBox 4">
+            <a:extLst>
+              <a:ext uri="{FF2B5EF4-FFF2-40B4-BE49-F238E27FC236}">
+                <a16:creationId xmlns:a16="http://schemas.microsoft.com/office/drawing/2014/main" id="{834D9710-08E9-5749-A14E-AF5B936C7AD8}"/>
+              </a:ext>
+            </a:extLst>
+          </p:cNvPr>
+          <p:cNvSpPr txBox="1"/>
+          <p:nvPr/>
+        </p:nvSpPr>
+        <p:spPr>
+          <a:xfrm>
+            <a:off x="2495139" y="5688577"/>
+            <a:ext cx="1497526" cy="307777"/>
+          </a:xfrm>
+          <a:prstGeom prst="rect">
+            <a:avLst/>
+          </a:prstGeom>
+          <a:noFill/>
+        </p:spPr>
+        <p:txBody>
+          <a:bodyPr wrap="none" rtlCol="0">
+            <a:spAutoFit/>
+          </a:bodyPr>
+          <a:lstStyle/>
+          <a:p>
+            <a:r>
+              <a:rPr lang="en-US" sz="1400" dirty="0"/>
+              <a:t>ln003/struct1.ast</a:t>
+            </a:r>
           </a:p>
         </p:txBody>
       </p:sp>
@@ -6825,7 +7303,7 @@
 </p:sld>
 </file>
 
-<file path=ppt/slides/slide7.xml><?xml version="1.0" encoding="utf-8"?>
+<file path=ppt/slides/slide8.xml><?xml version="1.0" encoding="utf-8"?>
 <p:sld xmlns:a="http://schemas.openxmlformats.org/drawingml/2006/main" xmlns:r="http://schemas.openxmlformats.org/officeDocument/2006/relationships" xmlns:p="http://schemas.openxmlformats.org/presentationml/2006/main">
   <p:cSld>
     <p:spTree>

--- a/notes/csc493-ln003.pptx
+++ b/notes/csc493-ln003.pptx
@@ -12,8 +12,8 @@
   </p:handoutMasterIdLst>
   <p:sldIdLst>
     <p:sldId id="267" r:id="rId2"/>
-    <p:sldId id="268" r:id="rId3"/>
-    <p:sldId id="269" r:id="rId4"/>
+    <p:sldId id="269" r:id="rId3"/>
+    <p:sldId id="268" r:id="rId4"/>
     <p:sldId id="270" r:id="rId5"/>
     <p:sldId id="271" r:id="rId6"/>
     <p:sldId id="280" r:id="rId7"/>
@@ -5834,6 +5834,280 @@
       </p:grpSpPr>
       <p:sp>
         <p:nvSpPr>
+          <p:cNvPr id="3" name="Title 2">
+            <a:extLst>
+              <a:ext uri="{FF2B5EF4-FFF2-40B4-BE49-F238E27FC236}">
+                <a16:creationId xmlns:a16="http://schemas.microsoft.com/office/drawing/2014/main" id="{03F7E821-6871-004A-A5BD-4A307DD6ADDB}"/>
+              </a:ext>
+            </a:extLst>
+          </p:cNvPr>
+          <p:cNvSpPr>
+            <a:spLocks noGrp="1"/>
+          </p:cNvSpPr>
+          <p:nvPr>
+            <p:ph type="title"/>
+          </p:nvPr>
+        </p:nvSpPr>
+        <p:spPr/>
+        <p:txBody>
+          <a:bodyPr/>
+          <a:lstStyle/>
+          <a:p>
+            <a:r>
+              <a:rPr lang="en-US" dirty="0"/>
+              <a:t>The General Access Operator</a:t>
+            </a:r>
+          </a:p>
+        </p:txBody>
+      </p:sp>
+      <p:sp>
+        <p:nvSpPr>
+          <p:cNvPr id="4" name="Content Placeholder 3">
+            <a:extLst>
+              <a:ext uri="{FF2B5EF4-FFF2-40B4-BE49-F238E27FC236}">
+                <a16:creationId xmlns:a16="http://schemas.microsoft.com/office/drawing/2014/main" id="{1BDC0D29-EBA5-F34C-AB2D-A2D172135ACD}"/>
+              </a:ext>
+            </a:extLst>
+          </p:cNvPr>
+          <p:cNvSpPr>
+            <a:spLocks noGrp="1"/>
+          </p:cNvSpPr>
+          <p:nvPr>
+            <p:ph idx="1"/>
+          </p:nvPr>
+        </p:nvSpPr>
+        <p:spPr/>
+        <p:txBody>
+          <a:bodyPr>
+            <a:normAutofit fontScale="92500" lnSpcReduction="20000"/>
+          </a:bodyPr>
+          <a:lstStyle/>
+          <a:p>
+            <a:r>
+              <a:rPr lang="en-US" b="0" i="0" dirty="0">
+                <a:solidFill>
+                  <a:srgbClr val="404040"/>
+                </a:solidFill>
+                <a:effectLst/>
+                <a:latin typeface="Lato" panose="020F0502020204030203" pitchFamily="34" charset="0"/>
+              </a:rPr>
+              <a:t>The </a:t>
+            </a:r>
+            <a:r>
+              <a:rPr lang="en-US" dirty="0">
+                <a:effectLst/>
+              </a:rPr>
+              <a:t>@</a:t>
+            </a:r>
+            <a:r>
+              <a:rPr lang="en-US" b="0" i="0" dirty="0">
+                <a:solidFill>
+                  <a:srgbClr val="404040"/>
+                </a:solidFill>
+                <a:effectLst/>
+                <a:latin typeface="Lato" panose="020F0502020204030203" pitchFamily="34" charset="0"/>
+              </a:rPr>
+              <a:t> operator is Asteroid’s general access operator:</a:t>
+            </a:r>
+          </a:p>
+          <a:p>
+            <a:pPr lvl="1"/>
+            <a:r>
+              <a:rPr lang="en-US" b="0" i="0" dirty="0">
+                <a:solidFill>
+                  <a:srgbClr val="404040"/>
+                </a:solidFill>
+                <a:effectLst/>
+                <a:latin typeface="Lato" panose="020F0502020204030203" pitchFamily="34" charset="0"/>
+              </a:rPr>
+              <a:t>individual elements, slices, or member functions of lists. </a:t>
+            </a:r>
+          </a:p>
+          <a:p>
+            <a:pPr lvl="1"/>
+            <a:r>
+              <a:rPr lang="en-US" b="0" i="0" dirty="0">
+                <a:solidFill>
+                  <a:srgbClr val="404040"/>
+                </a:solidFill>
+                <a:effectLst/>
+                <a:latin typeface="Lato" panose="020F0502020204030203" pitchFamily="34" charset="0"/>
+              </a:rPr>
+              <a:t>members and functions of tuples and objects. </a:t>
+            </a:r>
+          </a:p>
+          <a:p>
+            <a:r>
+              <a:rPr lang="en-US" dirty="0">
+                <a:solidFill>
+                  <a:srgbClr val="404040"/>
+                </a:solidFill>
+                <a:latin typeface="Lato" panose="020F0502020204030203" pitchFamily="34" charset="0"/>
+              </a:rPr>
+              <a:t>T</a:t>
+            </a:r>
+            <a:r>
+              <a:rPr lang="en-US" b="0" i="0" dirty="0">
+                <a:solidFill>
+                  <a:srgbClr val="404040"/>
+                </a:solidFill>
+                <a:effectLst/>
+                <a:latin typeface="Lato" panose="020F0502020204030203" pitchFamily="34" charset="0"/>
+              </a:rPr>
+              <a:t>he </a:t>
+            </a:r>
+            <a:r>
+              <a:rPr lang="en-US" dirty="0" err="1">
+                <a:effectLst/>
+              </a:rPr>
+              <a:t>println</a:t>
+            </a:r>
+            <a:r>
+              <a:rPr lang="en-US" b="0" i="0" dirty="0">
+                <a:solidFill>
+                  <a:srgbClr val="404040"/>
+                </a:solidFill>
+                <a:effectLst/>
+                <a:latin typeface="Lato" panose="020F0502020204030203" pitchFamily="34" charset="0"/>
+              </a:rPr>
+              <a:t> function: </a:t>
+            </a:r>
+          </a:p>
+          <a:p>
+            <a:pPr lvl="1"/>
+            <a:r>
+              <a:rPr lang="en-US" b="0" i="0" dirty="0">
+                <a:solidFill>
+                  <a:srgbClr val="404040"/>
+                </a:solidFill>
+                <a:effectLst/>
+                <a:latin typeface="Lato" panose="020F0502020204030203" pitchFamily="34" charset="0"/>
+              </a:rPr>
+              <a:t>the io module is an object and </a:t>
+            </a:r>
+            <a:r>
+              <a:rPr lang="en-US" b="0" i="0" dirty="0" err="1">
+                <a:solidFill>
+                  <a:srgbClr val="404040"/>
+                </a:solidFill>
+                <a:effectLst/>
+                <a:latin typeface="Lato" panose="020F0502020204030203" pitchFamily="34" charset="0"/>
+              </a:rPr>
+              <a:t>println</a:t>
+            </a:r>
+            <a:r>
+              <a:rPr lang="en-US" b="0" i="0" dirty="0">
+                <a:solidFill>
+                  <a:srgbClr val="404040"/>
+                </a:solidFill>
+                <a:effectLst/>
+                <a:latin typeface="Lato" panose="020F0502020204030203" pitchFamily="34" charset="0"/>
+              </a:rPr>
+              <a:t> is a member function, therefore</a:t>
+            </a:r>
+            <a:br>
+              <a:rPr lang="en-US" b="0" i="0" dirty="0">
+                <a:solidFill>
+                  <a:srgbClr val="404040"/>
+                </a:solidFill>
+                <a:effectLst/>
+                <a:latin typeface="Lato" panose="020F0502020204030203" pitchFamily="34" charset="0"/>
+              </a:rPr>
+            </a:br>
+            <a:r>
+              <a:rPr lang="en-US" b="0" i="0" dirty="0">
+                <a:solidFill>
+                  <a:srgbClr val="404040"/>
+                </a:solidFill>
+                <a:effectLst/>
+                <a:latin typeface="Lato" panose="020F0502020204030203" pitchFamily="34" charset="0"/>
+              </a:rPr>
+              <a:t>  io @</a:t>
+            </a:r>
+            <a:r>
+              <a:rPr lang="en-US" b="0" i="0" dirty="0" err="1">
+                <a:solidFill>
+                  <a:srgbClr val="404040"/>
+                </a:solidFill>
+                <a:effectLst/>
+                <a:latin typeface="Lato" panose="020F0502020204030203" pitchFamily="34" charset="0"/>
+              </a:rPr>
+              <a:t>println</a:t>
+            </a:r>
+            <a:r>
+              <a:rPr lang="en-US" b="0" i="0" dirty="0">
+                <a:solidFill>
+                  <a:srgbClr val="404040"/>
+                </a:solidFill>
+                <a:effectLst/>
+                <a:latin typeface="Lato" panose="020F0502020204030203" pitchFamily="34" charset="0"/>
+              </a:rPr>
+              <a:t> &lt;string&gt;</a:t>
+            </a:r>
+          </a:p>
+          <a:p>
+            <a:pPr lvl="1"/>
+            <a:r>
+              <a:rPr lang="en-US" dirty="0">
+                <a:solidFill>
+                  <a:srgbClr val="404040"/>
+                </a:solidFill>
+                <a:latin typeface="Lato" panose="020F0502020204030203" pitchFamily="34" charset="0"/>
+              </a:rPr>
+              <a:t>In Asteroid all system modules are objects</a:t>
+            </a:r>
+            <a:endParaRPr lang="en-US" b="0" i="0" dirty="0">
+              <a:solidFill>
+                <a:srgbClr val="404040"/>
+              </a:solidFill>
+              <a:effectLst/>
+              <a:latin typeface="Lato" panose="020F0502020204030203" pitchFamily="34" charset="0"/>
+            </a:endParaRPr>
+          </a:p>
+          <a:p>
+            <a:pPr lvl="1"/>
+            <a:endParaRPr lang="en-US" b="0" i="0" dirty="0">
+              <a:solidFill>
+                <a:srgbClr val="404040"/>
+              </a:solidFill>
+              <a:effectLst/>
+              <a:latin typeface="Lato" panose="020F0502020204030203" pitchFamily="34" charset="0"/>
+            </a:endParaRPr>
+          </a:p>
+        </p:txBody>
+      </p:sp>
+    </p:spTree>
+    <p:extLst>
+      <p:ext uri="{BB962C8B-B14F-4D97-AF65-F5344CB8AC3E}">
+        <p14:creationId xmlns:p14="http://schemas.microsoft.com/office/powerpoint/2010/main" val="820671800"/>
+      </p:ext>
+    </p:extLst>
+  </p:cSld>
+  <p:clrMapOvr>
+    <a:masterClrMapping/>
+  </p:clrMapOvr>
+</p:sld>
+</file>
+
+<file path=ppt/slides/slide3.xml><?xml version="1.0" encoding="utf-8"?>
+<p:sld xmlns:a="http://schemas.openxmlformats.org/drawingml/2006/main" xmlns:r="http://schemas.openxmlformats.org/officeDocument/2006/relationships" xmlns:p="http://schemas.openxmlformats.org/presentationml/2006/main">
+  <p:cSld>
+    <p:spTree>
+      <p:nvGrpSpPr>
+        <p:cNvPr id="1" name=""/>
+        <p:cNvGrpSpPr/>
+        <p:nvPr/>
+      </p:nvGrpSpPr>
+      <p:grpSpPr>
+        <a:xfrm>
+          <a:off x="0" y="0"/>
+          <a:ext cx="0" cy="0"/>
+          <a:chOff x="0" y="0"/>
+          <a:chExt cx="0" cy="0"/>
+        </a:xfrm>
+      </p:grpSpPr>
+      <p:sp>
+        <p:nvSpPr>
           <p:cNvPr id="4" name="Title 3">
             <a:extLst>
               <a:ext uri="{FF2B5EF4-FFF2-40B4-BE49-F238E27FC236}">
@@ -6144,280 +6418,6 @@
     <p:extLst>
       <p:ext uri="{BB962C8B-B14F-4D97-AF65-F5344CB8AC3E}">
         <p14:creationId xmlns:p14="http://schemas.microsoft.com/office/powerpoint/2010/main" val="3422438165"/>
-      </p:ext>
-    </p:extLst>
-  </p:cSld>
-  <p:clrMapOvr>
-    <a:masterClrMapping/>
-  </p:clrMapOvr>
-</p:sld>
-</file>
-
-<file path=ppt/slides/slide3.xml><?xml version="1.0" encoding="utf-8"?>
-<p:sld xmlns:a="http://schemas.openxmlformats.org/drawingml/2006/main" xmlns:r="http://schemas.openxmlformats.org/officeDocument/2006/relationships" xmlns:p="http://schemas.openxmlformats.org/presentationml/2006/main">
-  <p:cSld>
-    <p:spTree>
-      <p:nvGrpSpPr>
-        <p:cNvPr id="1" name=""/>
-        <p:cNvGrpSpPr/>
-        <p:nvPr/>
-      </p:nvGrpSpPr>
-      <p:grpSpPr>
-        <a:xfrm>
-          <a:off x="0" y="0"/>
-          <a:ext cx="0" cy="0"/>
-          <a:chOff x="0" y="0"/>
-          <a:chExt cx="0" cy="0"/>
-        </a:xfrm>
-      </p:grpSpPr>
-      <p:sp>
-        <p:nvSpPr>
-          <p:cNvPr id="3" name="Title 2">
-            <a:extLst>
-              <a:ext uri="{FF2B5EF4-FFF2-40B4-BE49-F238E27FC236}">
-                <a16:creationId xmlns:a16="http://schemas.microsoft.com/office/drawing/2014/main" id="{03F7E821-6871-004A-A5BD-4A307DD6ADDB}"/>
-              </a:ext>
-            </a:extLst>
-          </p:cNvPr>
-          <p:cNvSpPr>
-            <a:spLocks noGrp="1"/>
-          </p:cNvSpPr>
-          <p:nvPr>
-            <p:ph type="title"/>
-          </p:nvPr>
-        </p:nvSpPr>
-        <p:spPr/>
-        <p:txBody>
-          <a:bodyPr/>
-          <a:lstStyle/>
-          <a:p>
-            <a:r>
-              <a:rPr lang="en-US" dirty="0"/>
-              <a:t>The General Access Operator</a:t>
-            </a:r>
-          </a:p>
-        </p:txBody>
-      </p:sp>
-      <p:sp>
-        <p:nvSpPr>
-          <p:cNvPr id="4" name="Content Placeholder 3">
-            <a:extLst>
-              <a:ext uri="{FF2B5EF4-FFF2-40B4-BE49-F238E27FC236}">
-                <a16:creationId xmlns:a16="http://schemas.microsoft.com/office/drawing/2014/main" id="{1BDC0D29-EBA5-F34C-AB2D-A2D172135ACD}"/>
-              </a:ext>
-            </a:extLst>
-          </p:cNvPr>
-          <p:cNvSpPr>
-            <a:spLocks noGrp="1"/>
-          </p:cNvSpPr>
-          <p:nvPr>
-            <p:ph idx="1"/>
-          </p:nvPr>
-        </p:nvSpPr>
-        <p:spPr/>
-        <p:txBody>
-          <a:bodyPr>
-            <a:normAutofit fontScale="92500" lnSpcReduction="20000"/>
-          </a:bodyPr>
-          <a:lstStyle/>
-          <a:p>
-            <a:r>
-              <a:rPr lang="en-US" b="0" i="0" dirty="0">
-                <a:solidFill>
-                  <a:srgbClr val="404040"/>
-                </a:solidFill>
-                <a:effectLst/>
-                <a:latin typeface="Lato" panose="020F0502020204030203" pitchFamily="34" charset="0"/>
-              </a:rPr>
-              <a:t>The </a:t>
-            </a:r>
-            <a:r>
-              <a:rPr lang="en-US" dirty="0">
-                <a:effectLst/>
-              </a:rPr>
-              <a:t>@</a:t>
-            </a:r>
-            <a:r>
-              <a:rPr lang="en-US" b="0" i="0" dirty="0">
-                <a:solidFill>
-                  <a:srgbClr val="404040"/>
-                </a:solidFill>
-                <a:effectLst/>
-                <a:latin typeface="Lato" panose="020F0502020204030203" pitchFamily="34" charset="0"/>
-              </a:rPr>
-              <a:t> operator is Asteroid’s general access operator:</a:t>
-            </a:r>
-          </a:p>
-          <a:p>
-            <a:pPr lvl="1"/>
-            <a:r>
-              <a:rPr lang="en-US" b="0" i="0" dirty="0">
-                <a:solidFill>
-                  <a:srgbClr val="404040"/>
-                </a:solidFill>
-                <a:effectLst/>
-                <a:latin typeface="Lato" panose="020F0502020204030203" pitchFamily="34" charset="0"/>
-              </a:rPr>
-              <a:t>individual elements, slices, or member functions of lists. </a:t>
-            </a:r>
-          </a:p>
-          <a:p>
-            <a:pPr lvl="1"/>
-            <a:r>
-              <a:rPr lang="en-US" b="0" i="0" dirty="0">
-                <a:solidFill>
-                  <a:srgbClr val="404040"/>
-                </a:solidFill>
-                <a:effectLst/>
-                <a:latin typeface="Lato" panose="020F0502020204030203" pitchFamily="34" charset="0"/>
-              </a:rPr>
-              <a:t>members and functions of tuples and objects. </a:t>
-            </a:r>
-          </a:p>
-          <a:p>
-            <a:r>
-              <a:rPr lang="en-US" dirty="0">
-                <a:solidFill>
-                  <a:srgbClr val="404040"/>
-                </a:solidFill>
-                <a:latin typeface="Lato" panose="020F0502020204030203" pitchFamily="34" charset="0"/>
-              </a:rPr>
-              <a:t>T</a:t>
-            </a:r>
-            <a:r>
-              <a:rPr lang="en-US" b="0" i="0" dirty="0">
-                <a:solidFill>
-                  <a:srgbClr val="404040"/>
-                </a:solidFill>
-                <a:effectLst/>
-                <a:latin typeface="Lato" panose="020F0502020204030203" pitchFamily="34" charset="0"/>
-              </a:rPr>
-              <a:t>he </a:t>
-            </a:r>
-            <a:r>
-              <a:rPr lang="en-US" dirty="0" err="1">
-                <a:effectLst/>
-              </a:rPr>
-              <a:t>println</a:t>
-            </a:r>
-            <a:r>
-              <a:rPr lang="en-US" b="0" i="0" dirty="0">
-                <a:solidFill>
-                  <a:srgbClr val="404040"/>
-                </a:solidFill>
-                <a:effectLst/>
-                <a:latin typeface="Lato" panose="020F0502020204030203" pitchFamily="34" charset="0"/>
-              </a:rPr>
-              <a:t> function: </a:t>
-            </a:r>
-          </a:p>
-          <a:p>
-            <a:pPr lvl="1"/>
-            <a:r>
-              <a:rPr lang="en-US" b="0" i="0" dirty="0">
-                <a:solidFill>
-                  <a:srgbClr val="404040"/>
-                </a:solidFill>
-                <a:effectLst/>
-                <a:latin typeface="Lato" panose="020F0502020204030203" pitchFamily="34" charset="0"/>
-              </a:rPr>
-              <a:t>the io module is an object and </a:t>
-            </a:r>
-            <a:r>
-              <a:rPr lang="en-US" b="0" i="0" dirty="0" err="1">
-                <a:solidFill>
-                  <a:srgbClr val="404040"/>
-                </a:solidFill>
-                <a:effectLst/>
-                <a:latin typeface="Lato" panose="020F0502020204030203" pitchFamily="34" charset="0"/>
-              </a:rPr>
-              <a:t>println</a:t>
-            </a:r>
-            <a:r>
-              <a:rPr lang="en-US" b="0" i="0" dirty="0">
-                <a:solidFill>
-                  <a:srgbClr val="404040"/>
-                </a:solidFill>
-                <a:effectLst/>
-                <a:latin typeface="Lato" panose="020F0502020204030203" pitchFamily="34" charset="0"/>
-              </a:rPr>
-              <a:t> is a member function, therefore</a:t>
-            </a:r>
-            <a:br>
-              <a:rPr lang="en-US" b="0" i="0" dirty="0">
-                <a:solidFill>
-                  <a:srgbClr val="404040"/>
-                </a:solidFill>
-                <a:effectLst/>
-                <a:latin typeface="Lato" panose="020F0502020204030203" pitchFamily="34" charset="0"/>
-              </a:rPr>
-            </a:br>
-            <a:r>
-              <a:rPr lang="en-US" b="0" i="0" dirty="0">
-                <a:solidFill>
-                  <a:srgbClr val="404040"/>
-                </a:solidFill>
-                <a:effectLst/>
-                <a:latin typeface="Lato" panose="020F0502020204030203" pitchFamily="34" charset="0"/>
-              </a:rPr>
-              <a:t>  io @</a:t>
-            </a:r>
-            <a:r>
-              <a:rPr lang="en-US" b="0" i="0" dirty="0" err="1">
-                <a:solidFill>
-                  <a:srgbClr val="404040"/>
-                </a:solidFill>
-                <a:effectLst/>
-                <a:latin typeface="Lato" panose="020F0502020204030203" pitchFamily="34" charset="0"/>
-              </a:rPr>
-              <a:t>println</a:t>
-            </a:r>
-            <a:r>
-              <a:rPr lang="en-US" b="0" i="0" dirty="0">
-                <a:solidFill>
-                  <a:srgbClr val="404040"/>
-                </a:solidFill>
-                <a:effectLst/>
-                <a:latin typeface="Lato" panose="020F0502020204030203" pitchFamily="34" charset="0"/>
-              </a:rPr>
-              <a:t> &lt;string&gt;</a:t>
-            </a:r>
-          </a:p>
-          <a:p>
-            <a:pPr lvl="1"/>
-            <a:r>
-              <a:rPr lang="en-US" dirty="0">
-                <a:solidFill>
-                  <a:srgbClr val="404040"/>
-                </a:solidFill>
-                <a:latin typeface="Lato" panose="020F0502020204030203" pitchFamily="34" charset="0"/>
-              </a:rPr>
-              <a:t>In Asteroid all system modules are objects</a:t>
-            </a:r>
-            <a:endParaRPr lang="en-US" b="0" i="0" dirty="0">
-              <a:solidFill>
-                <a:srgbClr val="404040"/>
-              </a:solidFill>
-              <a:effectLst/>
-              <a:latin typeface="Lato" panose="020F0502020204030203" pitchFamily="34" charset="0"/>
-            </a:endParaRPr>
-          </a:p>
-          <a:p>
-            <a:pPr lvl="1"/>
-            <a:endParaRPr lang="en-US" b="0" i="0" dirty="0">
-              <a:solidFill>
-                <a:srgbClr val="404040"/>
-              </a:solidFill>
-              <a:effectLst/>
-              <a:latin typeface="Lato" panose="020F0502020204030203" pitchFamily="34" charset="0"/>
-            </a:endParaRPr>
-          </a:p>
-        </p:txBody>
-      </p:sp>
-    </p:spTree>
-    <p:extLst>
-      <p:ext uri="{BB962C8B-B14F-4D97-AF65-F5344CB8AC3E}">
-        <p14:creationId xmlns:p14="http://schemas.microsoft.com/office/powerpoint/2010/main" val="820671800"/>
       </p:ext>
     </p:extLst>
   </p:cSld>
